--- a/ПЗ/PRI115-РПС-KP-ПЗ-Лапыгина, Родионова, Ханова, Крутова.pptx
+++ b/ПЗ/PRI115-РПС-KP-ПЗ-Лапыгина, Родионова, Ханова, Крутова.pptx
@@ -5,7 +5,7 @@
     <p:sldMasterId id="2147483761" r:id="rId1"/>
   </p:sldMasterIdLst>
   <p:notesMasterIdLst>
-    <p:notesMasterId r:id="rId19"/>
+    <p:notesMasterId r:id="rId20"/>
   </p:notesMasterIdLst>
   <p:sldIdLst>
     <p:sldId id="256" r:id="rId2"/>
@@ -23,8 +23,9 @@
     <p:sldId id="273" r:id="rId14"/>
     <p:sldId id="274" r:id="rId15"/>
     <p:sldId id="275" r:id="rId16"/>
-    <p:sldId id="272" r:id="rId17"/>
-    <p:sldId id="267" r:id="rId18"/>
+    <p:sldId id="276" r:id="rId17"/>
+    <p:sldId id="272" r:id="rId18"/>
+    <p:sldId id="267" r:id="rId19"/>
   </p:sldIdLst>
   <p:sldSz cx="12192000" cy="6858000"/>
   <p:notesSz cx="6858000" cy="9144000"/>
@@ -4602,7 +4603,7 @@
           <a:graphicData uri="http://schemas.openxmlformats.org/presentationml/2006/ole">
             <mc:AlternateContent xmlns:mc="http://schemas.openxmlformats.org/markup-compatibility/2006">
               <mc:Choice xmlns:v="urn:schemas-microsoft-com:vml" Requires="v">
-                <p:oleObj spid="_x0000_s2052" name="Картинка" r:id="rId4" imgW="0" imgH="0" progId="StaticMetafile">
+                <p:oleObj spid="_x0000_s2055" name="Картинка" r:id="rId4" imgW="0" imgH="0" progId="StaticMetafile">
                   <p:embed/>
                 </p:oleObj>
               </mc:Choice>
@@ -5976,6 +5977,222 @@
       <p:sp>
         <p:nvSpPr>
           <p:cNvPr id="2" name="Заголовок 1"/>
+          <p:cNvSpPr>
+            <a:spLocks noGrp="1"/>
+          </p:cNvSpPr>
+          <p:nvPr>
+            <p:ph type="title"/>
+          </p:nvPr>
+        </p:nvSpPr>
+        <p:spPr/>
+        <p:txBody>
+          <a:bodyPr/>
+          <a:lstStyle/>
+          <a:p>
+            <a:pPr algn="ctr"/>
+            <a:r>
+              <a:rPr lang="ru-RU" sz="4000" dirty="0">
+                <a:solidFill>
+                  <a:prstClr val="black"/>
+                </a:solidFill>
+                <a:latin typeface="Times New Roman" panose="02020603050405020304" pitchFamily="18" charset="0"/>
+                <a:ea typeface="+mn-ea"/>
+                <a:cs typeface="Times New Roman" panose="02020603050405020304" pitchFamily="18" charset="0"/>
+              </a:rPr>
+              <a:t>Персонажи</a:t>
+            </a:r>
+            <a:endParaRPr lang="ru-RU" sz="4000" dirty="0">
+              <a:solidFill>
+                <a:prstClr val="black"/>
+              </a:solidFill>
+              <a:latin typeface="Times New Roman" panose="02020603050405020304" pitchFamily="18" charset="0"/>
+              <a:ea typeface="+mn-ea"/>
+              <a:cs typeface="Times New Roman" panose="02020603050405020304" pitchFamily="18" charset="0"/>
+            </a:endParaRPr>
+          </a:p>
+        </p:txBody>
+      </p:sp>
+      <p:sp>
+        <p:nvSpPr>
+          <p:cNvPr id="3" name="Номер слайда 2"/>
+          <p:cNvSpPr>
+            <a:spLocks noGrp="1"/>
+          </p:cNvSpPr>
+          <p:nvPr>
+            <p:ph type="sldNum" sz="quarter" idx="12"/>
+          </p:nvPr>
+        </p:nvSpPr>
+        <p:spPr/>
+        <p:txBody>
+          <a:bodyPr/>
+          <a:lstStyle/>
+          <a:p>
+            <a:fld id="{5915BA95-AA8F-43F2-9578-673C4CD95B62}" type="slidenum">
+              <a:rPr lang="ru-RU" sz="2400">
+                <a:solidFill>
+                  <a:schemeClr val="tx1"/>
+                </a:solidFill>
+              </a:rPr>
+              <a:pPr/>
+              <a:t>16</a:t>
+            </a:fld>
+            <a:endParaRPr lang="ru-RU" sz="2400" dirty="0"/>
+          </a:p>
+        </p:txBody>
+      </p:sp>
+      <p:pic>
+        <p:nvPicPr>
+          <p:cNvPr id="4" name="Рисунок 3"/>
+          <p:cNvPicPr>
+            <a:picLocks noChangeAspect="1"/>
+          </p:cNvPicPr>
+          <p:nvPr/>
+        </p:nvPicPr>
+        <p:blipFill>
+          <a:blip r:embed="rId2">
+            <a:extLst>
+              <a:ext uri="{28A0092B-C50C-407E-A947-70E740481C1C}">
+                <a14:useLocalDpi xmlns:a14="http://schemas.microsoft.com/office/drawing/2010/main" val="0"/>
+              </a:ext>
+            </a:extLst>
+          </a:blip>
+          <a:stretch>
+            <a:fillRect/>
+          </a:stretch>
+        </p:blipFill>
+        <p:spPr>
+          <a:xfrm>
+            <a:off x="82924" y="1115077"/>
+            <a:ext cx="2617694" cy="2617694"/>
+          </a:xfrm>
+          <a:prstGeom prst="rect">
+            <a:avLst/>
+          </a:prstGeom>
+        </p:spPr>
+      </p:pic>
+      <p:pic>
+        <p:nvPicPr>
+          <p:cNvPr id="5" name="Рисунок 4"/>
+          <p:cNvPicPr>
+            <a:picLocks noChangeAspect="1"/>
+          </p:cNvPicPr>
+          <p:nvPr/>
+        </p:nvPicPr>
+        <p:blipFill>
+          <a:blip r:embed="rId3" cstate="print">
+            <a:extLst>
+              <a:ext uri="{28A0092B-C50C-407E-A947-70E740481C1C}">
+                <a14:useLocalDpi xmlns:a14="http://schemas.microsoft.com/office/drawing/2010/main" val="0"/>
+              </a:ext>
+            </a:extLst>
+          </a:blip>
+          <a:stretch>
+            <a:fillRect/>
+          </a:stretch>
+        </p:blipFill>
+        <p:spPr>
+          <a:xfrm>
+            <a:off x="2093259" y="2423924"/>
+            <a:ext cx="3751729" cy="3751729"/>
+          </a:xfrm>
+          <a:prstGeom prst="rect">
+            <a:avLst/>
+          </a:prstGeom>
+        </p:spPr>
+      </p:pic>
+      <p:pic>
+        <p:nvPicPr>
+          <p:cNvPr id="6" name="Рисунок 5"/>
+          <p:cNvPicPr>
+            <a:picLocks noChangeAspect="1"/>
+          </p:cNvPicPr>
+          <p:nvPr/>
+        </p:nvPicPr>
+        <p:blipFill>
+          <a:blip r:embed="rId4" cstate="print">
+            <a:extLst>
+              <a:ext uri="{28A0092B-C50C-407E-A947-70E740481C1C}">
+                <a14:useLocalDpi xmlns:a14="http://schemas.microsoft.com/office/drawing/2010/main" val="0"/>
+              </a:ext>
+            </a:extLst>
+          </a:blip>
+          <a:stretch>
+            <a:fillRect/>
+          </a:stretch>
+        </p:blipFill>
+        <p:spPr>
+          <a:xfrm>
+            <a:off x="5195047" y="2292912"/>
+            <a:ext cx="3509683" cy="3509683"/>
+          </a:xfrm>
+          <a:prstGeom prst="rect">
+            <a:avLst/>
+          </a:prstGeom>
+        </p:spPr>
+      </p:pic>
+      <p:pic>
+        <p:nvPicPr>
+          <p:cNvPr id="7" name="Рисунок 6"/>
+          <p:cNvPicPr>
+            <a:picLocks noChangeAspect="1"/>
+          </p:cNvPicPr>
+          <p:nvPr/>
+        </p:nvPicPr>
+        <p:blipFill>
+          <a:blip r:embed="rId5" cstate="print">
+            <a:extLst>
+              <a:ext uri="{28A0092B-C50C-407E-A947-70E740481C1C}">
+                <a14:useLocalDpi xmlns:a14="http://schemas.microsoft.com/office/drawing/2010/main" val="0"/>
+              </a:ext>
+            </a:extLst>
+          </a:blip>
+          <a:stretch>
+            <a:fillRect/>
+          </a:stretch>
+        </p:blipFill>
+        <p:spPr>
+          <a:xfrm>
+            <a:off x="8480612" y="1228166"/>
+            <a:ext cx="3711388" cy="3711388"/>
+          </a:xfrm>
+          <a:prstGeom prst="rect">
+            <a:avLst/>
+          </a:prstGeom>
+        </p:spPr>
+      </p:pic>
+    </p:spTree>
+    <p:extLst>
+      <p:ext uri="{BB962C8B-B14F-4D97-AF65-F5344CB8AC3E}">
+        <p14:creationId xmlns:p14="http://schemas.microsoft.com/office/powerpoint/2010/main" val="1542624614"/>
+      </p:ext>
+    </p:extLst>
+  </p:cSld>
+  <p:clrMapOvr>
+    <a:masterClrMapping/>
+  </p:clrMapOvr>
+</p:sld>
+</file>
+
+<file path=ppt/slides/slide17.xml><?xml version="1.0" encoding="utf-8"?>
+<p:sld xmlns:a="http://schemas.openxmlformats.org/drawingml/2006/main" xmlns:r="http://schemas.openxmlformats.org/officeDocument/2006/relationships" xmlns:p="http://schemas.openxmlformats.org/presentationml/2006/main">
+  <p:cSld>
+    <p:spTree>
+      <p:nvGrpSpPr>
+        <p:cNvPr id="1" name=""/>
+        <p:cNvGrpSpPr/>
+        <p:nvPr/>
+      </p:nvGrpSpPr>
+      <p:grpSpPr>
+        <a:xfrm>
+          <a:off x="0" y="0"/>
+          <a:ext cx="0" cy="0"/>
+          <a:chOff x="0" y="0"/>
+          <a:chExt cx="0" cy="0"/>
+        </a:xfrm>
+      </p:grpSpPr>
+      <p:sp>
+        <p:nvSpPr>
+          <p:cNvPr id="2" name="Заголовок 1"/>
           <p:cNvSpPr txBox="1">
             <a:spLocks/>
           </p:cNvSpPr>
@@ -6539,7 +6756,7 @@
                   <a:schemeClr val="tx1"/>
                 </a:solidFill>
               </a:rPr>
-              <a:t>16</a:t>
+              <a:t>17</a:t>
             </a:fld>
             <a:endParaRPr lang="ru-RU" sz="2400" dirty="0">
               <a:solidFill>
@@ -6569,7 +6786,7 @@
 </p:sld>
 </file>
 
-<file path=ppt/slides/slide17.xml><?xml version="1.0" encoding="utf-8"?>
+<file path=ppt/slides/slide18.xml><?xml version="1.0" encoding="utf-8"?>
 <p:sld xmlns:a="http://schemas.openxmlformats.org/drawingml/2006/main" xmlns:r="http://schemas.openxmlformats.org/officeDocument/2006/relationships" xmlns:p="http://schemas.openxmlformats.org/presentationml/2006/main">
   <p:cSld>
     <p:spTree>
@@ -7117,10 +7334,6 @@
               </a:rPr>
               <a:t>Анализ результатов</a:t>
             </a:r>
-            <a:endParaRPr lang="ru-RU" sz="2400" dirty="0">
-              <a:latin typeface="Times New Roman" panose="02020603050405020304" pitchFamily="18" charset="0"/>
-              <a:cs typeface="Times New Roman" panose="02020603050405020304" pitchFamily="18" charset="0"/>
-            </a:endParaRPr>
           </a:p>
         </p:txBody>
       </p:sp>
@@ -8217,19 +8430,8 @@
                 <a:latin typeface="Times New Roman" panose="02020603050405020304" pitchFamily="18" charset="0"/>
                 <a:cs typeface="Times New Roman" panose="02020603050405020304" pitchFamily="18" charset="0"/>
               </a:rPr>
-              <a:t>Функциональные</a:t>
-            </a:r>
-            <a:r>
-              <a:rPr lang="ru-RU" sz="2400" b="1" dirty="0" smtClean="0">
-                <a:latin typeface="Times New Roman" panose="02020603050405020304" pitchFamily="18" charset="0"/>
-                <a:cs typeface="Times New Roman" panose="02020603050405020304" pitchFamily="18" charset="0"/>
-              </a:rPr>
-              <a:t>:</a:t>
-            </a:r>
-            <a:endParaRPr lang="ru-RU" sz="2400" b="1" dirty="0" smtClean="0">
-              <a:latin typeface="Times New Roman" panose="02020603050405020304" pitchFamily="18" charset="0"/>
-              <a:cs typeface="Times New Roman" panose="02020603050405020304" pitchFamily="18" charset="0"/>
-            </a:endParaRPr>
+              <a:t>Функциональные:</a:t>
+            </a:r>
           </a:p>
           <a:p>
             <a:r>
@@ -9016,7 +9218,7 @@
           <a:graphicData uri="http://schemas.openxmlformats.org/presentationml/2006/ole">
             <mc:AlternateContent xmlns:mc="http://schemas.openxmlformats.org/markup-compatibility/2006">
               <mc:Choice xmlns:v="urn:schemas-microsoft-com:vml" Requires="v">
-                <p:oleObj spid="_x0000_s1028" r:id="rId3" imgW="10401355" imgH="12477912" progId="Visio.Drawing.15">
+                <p:oleObj spid="_x0000_s1031" r:id="rId3" imgW="10401355" imgH="12477912" progId="Visio.Drawing.15">
                   <p:embed/>
                 </p:oleObj>
               </mc:Choice>
@@ -9558,7 +9760,7 @@
           <a:graphicData uri="http://schemas.openxmlformats.org/presentationml/2006/ole">
             <mc:AlternateContent xmlns:mc="http://schemas.openxmlformats.org/markup-compatibility/2006">
               <mc:Choice xmlns:v="urn:schemas-microsoft-com:vml" Requires="v">
-                <p:oleObj spid="_x0000_s4099" name="Картинка" r:id="rId3" imgW="0" imgH="0" progId="StaticMetafile">
+                <p:oleObj spid="_x0000_s4102" name="Картинка" r:id="rId3" imgW="0" imgH="0" progId="StaticMetafile">
                   <p:embed/>
                 </p:oleObj>
               </mc:Choice>
